--- a/Regression Modelling Presentation.pptx
+++ b/Regression Modelling Presentation.pptx
@@ -9313,7 +9313,7 @@
             </a:pPr>
             <a:r>
               <a:rPr lang="en-AU" dirty="0"/>
-              <a:t>All features appear good however  the critic and user variables are somewhat negatively skewed</a:t>
+              <a:t>All features appeared ok however  the critic and user variables are somewhat negatively skewed</a:t>
             </a:r>
           </a:p>
         </p:txBody>
